--- a/PPT/Class period 15-Ethic3.pptx
+++ b/PPT/Class period 15-Ethic3.pptx
@@ -120,6 +120,11 @@
       </a:defRPr>
     </a:lvl9pPr>
   </p:defaultTextStyle>
+  <p:extLst>
+    <p:ext uri="{EFAFB233-063F-42B5-8137-9DF3F51BA10A}">
+      <p15:sldGuideLst xmlns:p15="http://schemas.microsoft.com/office/powerpoint/2012/main"/>
+    </p:ext>
+  </p:extLst>
 </p:presentation>
 </file>
 
@@ -270,7 +275,7 @@
           <a:p>
             <a:fld id="{F5CB12AE-5AEB-4A9C-B0EF-D859F5C557D4}" type="datetimeFigureOut">
               <a:rPr lang="en-US" smtClean="0"/>
-              <a:t>5/15/2024</a:t>
+              <a:t>6/17/2024</a:t>
             </a:fld>
             <a:endParaRPr lang="en-US"/>
           </a:p>
@@ -468,7 +473,7 @@
           <a:p>
             <a:fld id="{F5CB12AE-5AEB-4A9C-B0EF-D859F5C557D4}" type="datetimeFigureOut">
               <a:rPr lang="en-US" smtClean="0"/>
-              <a:t>5/15/2024</a:t>
+              <a:t>6/17/2024</a:t>
             </a:fld>
             <a:endParaRPr lang="en-US"/>
           </a:p>
@@ -676,7 +681,7 @@
           <a:p>
             <a:fld id="{F5CB12AE-5AEB-4A9C-B0EF-D859F5C557D4}" type="datetimeFigureOut">
               <a:rPr lang="en-US" smtClean="0"/>
-              <a:t>5/15/2024</a:t>
+              <a:t>6/17/2024</a:t>
             </a:fld>
             <a:endParaRPr lang="en-US"/>
           </a:p>
@@ -874,7 +879,7 @@
           <a:p>
             <a:fld id="{F5CB12AE-5AEB-4A9C-B0EF-D859F5C557D4}" type="datetimeFigureOut">
               <a:rPr lang="en-US" smtClean="0"/>
-              <a:t>5/15/2024</a:t>
+              <a:t>6/17/2024</a:t>
             </a:fld>
             <a:endParaRPr lang="en-US"/>
           </a:p>
@@ -1149,7 +1154,7 @@
           <a:p>
             <a:fld id="{F5CB12AE-5AEB-4A9C-B0EF-D859F5C557D4}" type="datetimeFigureOut">
               <a:rPr lang="en-US" smtClean="0"/>
-              <a:t>5/15/2024</a:t>
+              <a:t>6/17/2024</a:t>
             </a:fld>
             <a:endParaRPr lang="en-US"/>
           </a:p>
@@ -1414,7 +1419,7 @@
           <a:p>
             <a:fld id="{F5CB12AE-5AEB-4A9C-B0EF-D859F5C557D4}" type="datetimeFigureOut">
               <a:rPr lang="en-US" smtClean="0"/>
-              <a:t>5/15/2024</a:t>
+              <a:t>6/17/2024</a:t>
             </a:fld>
             <a:endParaRPr lang="en-US"/>
           </a:p>
@@ -1826,7 +1831,7 @@
           <a:p>
             <a:fld id="{F5CB12AE-5AEB-4A9C-B0EF-D859F5C557D4}" type="datetimeFigureOut">
               <a:rPr lang="en-US" smtClean="0"/>
-              <a:t>5/15/2024</a:t>
+              <a:t>6/17/2024</a:t>
             </a:fld>
             <a:endParaRPr lang="en-US"/>
           </a:p>
@@ -1967,7 +1972,7 @@
           <a:p>
             <a:fld id="{F5CB12AE-5AEB-4A9C-B0EF-D859F5C557D4}" type="datetimeFigureOut">
               <a:rPr lang="en-US" smtClean="0"/>
-              <a:t>5/15/2024</a:t>
+              <a:t>6/17/2024</a:t>
             </a:fld>
             <a:endParaRPr lang="en-US"/>
           </a:p>
@@ -2080,7 +2085,7 @@
           <a:p>
             <a:fld id="{F5CB12AE-5AEB-4A9C-B0EF-D859F5C557D4}" type="datetimeFigureOut">
               <a:rPr lang="en-US" smtClean="0"/>
-              <a:t>5/15/2024</a:t>
+              <a:t>6/17/2024</a:t>
             </a:fld>
             <a:endParaRPr lang="en-US"/>
           </a:p>
@@ -2391,7 +2396,7 @@
           <a:p>
             <a:fld id="{F5CB12AE-5AEB-4A9C-B0EF-D859F5C557D4}" type="datetimeFigureOut">
               <a:rPr lang="en-US" smtClean="0"/>
-              <a:t>5/15/2024</a:t>
+              <a:t>6/17/2024</a:t>
             </a:fld>
             <a:endParaRPr lang="en-US"/>
           </a:p>
@@ -2679,7 +2684,7 @@
           <a:p>
             <a:fld id="{F5CB12AE-5AEB-4A9C-B0EF-D859F5C557D4}" type="datetimeFigureOut">
               <a:rPr lang="en-US" smtClean="0"/>
-              <a:t>5/15/2024</a:t>
+              <a:t>6/17/2024</a:t>
             </a:fld>
             <a:endParaRPr lang="en-US"/>
           </a:p>
@@ -2920,7 +2925,7 @@
           <a:p>
             <a:fld id="{F5CB12AE-5AEB-4A9C-B0EF-D859F5C557D4}" type="datetimeFigureOut">
               <a:rPr lang="en-US" smtClean="0"/>
-              <a:t>5/15/2024</a:t>
+              <a:t>6/17/2024</a:t>
             </a:fld>
             <a:endParaRPr lang="en-US"/>
           </a:p>
@@ -3567,6 +3572,73 @@
           </a:p>
         </p:txBody>
       </p:sp>
+      <p:sp>
+        <p:nvSpPr>
+          <p:cNvPr id="7" name="TextBox 6">
+            <a:extLst>
+              <a:ext uri="{FF2B5EF4-FFF2-40B4-BE49-F238E27FC236}">
+                <a16:creationId xmlns:a16="http://schemas.microsoft.com/office/drawing/2014/main" id="{8DC4E025-B31F-3652-5B73-F645627A7405}"/>
+              </a:ext>
+            </a:extLst>
+          </p:cNvPr>
+          <p:cNvSpPr txBox="1"/>
+          <p:nvPr/>
+        </p:nvSpPr>
+        <p:spPr>
+          <a:xfrm>
+            <a:off x="114677" y="6172611"/>
+            <a:ext cx="5532120" cy="461665"/>
+          </a:xfrm>
+          <a:prstGeom prst="rect">
+            <a:avLst/>
+          </a:prstGeom>
+          <a:noFill/>
+        </p:spPr>
+        <p:txBody>
+          <a:bodyPr wrap="square">
+            <a:spAutoFit/>
+          </a:bodyPr>
+          <a:lstStyle/>
+          <a:p>
+            <a:pPr algn="l"/>
+            <a:r>
+              <a:rPr lang="th-TH" sz="2400" dirty="0">
+                <a:latin typeface="TH SarabunPSK" panose="020B0500040200020003" pitchFamily="34" charset="-34"/>
+                <a:cs typeface="TH SarabunPSK" panose="020B0500040200020003" pitchFamily="34" charset="-34"/>
+              </a:rPr>
+              <a:t>โดย ผศ</a:t>
+            </a:r>
+            <a:r>
+              <a:rPr lang="en-US" sz="2400" dirty="0">
+                <a:latin typeface="TH SarabunPSK" panose="020B0500040200020003" pitchFamily="34" charset="-34"/>
+                <a:cs typeface="TH SarabunPSK" panose="020B0500040200020003" pitchFamily="34" charset="-34"/>
+              </a:rPr>
+              <a:t>. </a:t>
+            </a:r>
+            <a:r>
+              <a:rPr lang="th-TH" sz="2400" dirty="0">
+                <a:latin typeface="TH SarabunPSK" panose="020B0500040200020003" pitchFamily="34" charset="-34"/>
+                <a:cs typeface="TH SarabunPSK" panose="020B0500040200020003" pitchFamily="34" charset="-34"/>
+              </a:rPr>
+              <a:t>ดร</a:t>
+            </a:r>
+            <a:r>
+              <a:rPr lang="en-US" sz="2400" dirty="0">
+                <a:latin typeface="TH SarabunPSK" panose="020B0500040200020003" pitchFamily="34" charset="-34"/>
+                <a:cs typeface="TH SarabunPSK" panose="020B0500040200020003" pitchFamily="34" charset="-34"/>
+              </a:rPr>
+              <a:t>.</a:t>
+            </a:r>
+            <a:r>
+              <a:rPr lang="th-TH" sz="2400" dirty="0">
+                <a:latin typeface="TH SarabunPSK" panose="020B0500040200020003" pitchFamily="34" charset="-34"/>
+                <a:cs typeface="TH SarabunPSK" panose="020B0500040200020003" pitchFamily="34" charset="-34"/>
+              </a:rPr>
+              <a:t>ธนพงศ์ อินทระ สาขาวิชาสถิติ มหาวิทยาลัยขอนแก่น </a:t>
+            </a:r>
+          </a:p>
+        </p:txBody>
+      </p:sp>
     </p:spTree>
     <p:extLst>
       <p:ext uri="{BB962C8B-B14F-4D97-AF65-F5344CB8AC3E}">
@@ -4291,6 +4363,73 @@
           </a:prstGeom>
         </p:spPr>
       </p:pic>
+      <p:sp>
+        <p:nvSpPr>
+          <p:cNvPr id="10" name="TextBox 9">
+            <a:extLst>
+              <a:ext uri="{FF2B5EF4-FFF2-40B4-BE49-F238E27FC236}">
+                <a16:creationId xmlns:a16="http://schemas.microsoft.com/office/drawing/2014/main" id="{EDCFAE2A-31A0-CDC9-FB34-190E012DB233}"/>
+              </a:ext>
+            </a:extLst>
+          </p:cNvPr>
+          <p:cNvSpPr txBox="1"/>
+          <p:nvPr/>
+        </p:nvSpPr>
+        <p:spPr>
+          <a:xfrm>
+            <a:off x="114677" y="6172611"/>
+            <a:ext cx="5532120" cy="461665"/>
+          </a:xfrm>
+          <a:prstGeom prst="rect">
+            <a:avLst/>
+          </a:prstGeom>
+          <a:noFill/>
+        </p:spPr>
+        <p:txBody>
+          <a:bodyPr wrap="square">
+            <a:spAutoFit/>
+          </a:bodyPr>
+          <a:lstStyle/>
+          <a:p>
+            <a:pPr algn="l"/>
+            <a:r>
+              <a:rPr lang="th-TH" sz="2400" dirty="0">
+                <a:latin typeface="TH SarabunPSK" panose="020B0500040200020003" pitchFamily="34" charset="-34"/>
+                <a:cs typeface="TH SarabunPSK" panose="020B0500040200020003" pitchFamily="34" charset="-34"/>
+              </a:rPr>
+              <a:t>โดย ผศ</a:t>
+            </a:r>
+            <a:r>
+              <a:rPr lang="en-US" sz="2400" dirty="0">
+                <a:latin typeface="TH SarabunPSK" panose="020B0500040200020003" pitchFamily="34" charset="-34"/>
+                <a:cs typeface="TH SarabunPSK" panose="020B0500040200020003" pitchFamily="34" charset="-34"/>
+              </a:rPr>
+              <a:t>. </a:t>
+            </a:r>
+            <a:r>
+              <a:rPr lang="th-TH" sz="2400" dirty="0">
+                <a:latin typeface="TH SarabunPSK" panose="020B0500040200020003" pitchFamily="34" charset="-34"/>
+                <a:cs typeface="TH SarabunPSK" panose="020B0500040200020003" pitchFamily="34" charset="-34"/>
+              </a:rPr>
+              <a:t>ดร</a:t>
+            </a:r>
+            <a:r>
+              <a:rPr lang="en-US" sz="2400" dirty="0">
+                <a:latin typeface="TH SarabunPSK" panose="020B0500040200020003" pitchFamily="34" charset="-34"/>
+                <a:cs typeface="TH SarabunPSK" panose="020B0500040200020003" pitchFamily="34" charset="-34"/>
+              </a:rPr>
+              <a:t>.</a:t>
+            </a:r>
+            <a:r>
+              <a:rPr lang="th-TH" sz="2400" dirty="0">
+                <a:latin typeface="TH SarabunPSK" panose="020B0500040200020003" pitchFamily="34" charset="-34"/>
+                <a:cs typeface="TH SarabunPSK" panose="020B0500040200020003" pitchFamily="34" charset="-34"/>
+              </a:rPr>
+              <a:t>ธนพงศ์ อินทระ สาขาวิชาสถิติ มหาวิทยาลัยขอนแก่น </a:t>
+            </a:r>
+          </a:p>
+        </p:txBody>
+      </p:sp>
     </p:spTree>
     <p:extLst>
       <p:ext uri="{BB962C8B-B14F-4D97-AF65-F5344CB8AC3E}">
@@ -5237,6 +5376,73 @@
           </a:prstGeom>
         </p:spPr>
       </p:pic>
+      <p:sp>
+        <p:nvSpPr>
+          <p:cNvPr id="10" name="TextBox 9">
+            <a:extLst>
+              <a:ext uri="{FF2B5EF4-FFF2-40B4-BE49-F238E27FC236}">
+                <a16:creationId xmlns:a16="http://schemas.microsoft.com/office/drawing/2014/main" id="{77054FE4-5E59-CB20-C210-312D376E9523}"/>
+              </a:ext>
+            </a:extLst>
+          </p:cNvPr>
+          <p:cNvSpPr txBox="1"/>
+          <p:nvPr/>
+        </p:nvSpPr>
+        <p:spPr>
+          <a:xfrm>
+            <a:off x="114677" y="6172611"/>
+            <a:ext cx="5532120" cy="461665"/>
+          </a:xfrm>
+          <a:prstGeom prst="rect">
+            <a:avLst/>
+          </a:prstGeom>
+          <a:noFill/>
+        </p:spPr>
+        <p:txBody>
+          <a:bodyPr wrap="square">
+            <a:spAutoFit/>
+          </a:bodyPr>
+          <a:lstStyle/>
+          <a:p>
+            <a:pPr algn="l"/>
+            <a:r>
+              <a:rPr lang="th-TH" sz="2400" dirty="0">
+                <a:latin typeface="TH SarabunPSK" panose="020B0500040200020003" pitchFamily="34" charset="-34"/>
+                <a:cs typeface="TH SarabunPSK" panose="020B0500040200020003" pitchFamily="34" charset="-34"/>
+              </a:rPr>
+              <a:t>โดย ผศ</a:t>
+            </a:r>
+            <a:r>
+              <a:rPr lang="en-US" sz="2400" dirty="0">
+                <a:latin typeface="TH SarabunPSK" panose="020B0500040200020003" pitchFamily="34" charset="-34"/>
+                <a:cs typeface="TH SarabunPSK" panose="020B0500040200020003" pitchFamily="34" charset="-34"/>
+              </a:rPr>
+              <a:t>. </a:t>
+            </a:r>
+            <a:r>
+              <a:rPr lang="th-TH" sz="2400" dirty="0">
+                <a:latin typeface="TH SarabunPSK" panose="020B0500040200020003" pitchFamily="34" charset="-34"/>
+                <a:cs typeface="TH SarabunPSK" panose="020B0500040200020003" pitchFamily="34" charset="-34"/>
+              </a:rPr>
+              <a:t>ดร</a:t>
+            </a:r>
+            <a:r>
+              <a:rPr lang="en-US" sz="2400" dirty="0">
+                <a:latin typeface="TH SarabunPSK" panose="020B0500040200020003" pitchFamily="34" charset="-34"/>
+                <a:cs typeface="TH SarabunPSK" panose="020B0500040200020003" pitchFamily="34" charset="-34"/>
+              </a:rPr>
+              <a:t>.</a:t>
+            </a:r>
+            <a:r>
+              <a:rPr lang="th-TH" sz="2400" dirty="0">
+                <a:latin typeface="TH SarabunPSK" panose="020B0500040200020003" pitchFamily="34" charset="-34"/>
+                <a:cs typeface="TH SarabunPSK" panose="020B0500040200020003" pitchFamily="34" charset="-34"/>
+              </a:rPr>
+              <a:t>ธนพงศ์ อินทระ สาขาวิชาสถิติ มหาวิทยาลัยขอนแก่น </a:t>
+            </a:r>
+          </a:p>
+        </p:txBody>
+      </p:sp>
     </p:spTree>
     <p:extLst>
       <p:ext uri="{BB962C8B-B14F-4D97-AF65-F5344CB8AC3E}">
@@ -5856,6 +6062,73 @@
           </a:prstGeom>
         </p:spPr>
       </p:pic>
+      <p:sp>
+        <p:nvSpPr>
+          <p:cNvPr id="5" name="TextBox 4">
+            <a:extLst>
+              <a:ext uri="{FF2B5EF4-FFF2-40B4-BE49-F238E27FC236}">
+                <a16:creationId xmlns:a16="http://schemas.microsoft.com/office/drawing/2014/main" id="{9BACB1AB-136F-ADB6-4B3E-816F62A7D6F2}"/>
+              </a:ext>
+            </a:extLst>
+          </p:cNvPr>
+          <p:cNvSpPr txBox="1"/>
+          <p:nvPr/>
+        </p:nvSpPr>
+        <p:spPr>
+          <a:xfrm>
+            <a:off x="114677" y="6172611"/>
+            <a:ext cx="5532120" cy="461665"/>
+          </a:xfrm>
+          <a:prstGeom prst="rect">
+            <a:avLst/>
+          </a:prstGeom>
+          <a:noFill/>
+        </p:spPr>
+        <p:txBody>
+          <a:bodyPr wrap="square">
+            <a:spAutoFit/>
+          </a:bodyPr>
+          <a:lstStyle/>
+          <a:p>
+            <a:pPr algn="l"/>
+            <a:r>
+              <a:rPr lang="th-TH" sz="2400" dirty="0">
+                <a:latin typeface="TH SarabunPSK" panose="020B0500040200020003" pitchFamily="34" charset="-34"/>
+                <a:cs typeface="TH SarabunPSK" panose="020B0500040200020003" pitchFamily="34" charset="-34"/>
+              </a:rPr>
+              <a:t>โดย ผศ</a:t>
+            </a:r>
+            <a:r>
+              <a:rPr lang="en-US" sz="2400" dirty="0">
+                <a:latin typeface="TH SarabunPSK" panose="020B0500040200020003" pitchFamily="34" charset="-34"/>
+                <a:cs typeface="TH SarabunPSK" panose="020B0500040200020003" pitchFamily="34" charset="-34"/>
+              </a:rPr>
+              <a:t>. </a:t>
+            </a:r>
+            <a:r>
+              <a:rPr lang="th-TH" sz="2400" dirty="0">
+                <a:latin typeface="TH SarabunPSK" panose="020B0500040200020003" pitchFamily="34" charset="-34"/>
+                <a:cs typeface="TH SarabunPSK" panose="020B0500040200020003" pitchFamily="34" charset="-34"/>
+              </a:rPr>
+              <a:t>ดร</a:t>
+            </a:r>
+            <a:r>
+              <a:rPr lang="en-US" sz="2400" dirty="0">
+                <a:latin typeface="TH SarabunPSK" panose="020B0500040200020003" pitchFamily="34" charset="-34"/>
+                <a:cs typeface="TH SarabunPSK" panose="020B0500040200020003" pitchFamily="34" charset="-34"/>
+              </a:rPr>
+              <a:t>.</a:t>
+            </a:r>
+            <a:r>
+              <a:rPr lang="th-TH" sz="2400" dirty="0">
+                <a:latin typeface="TH SarabunPSK" panose="020B0500040200020003" pitchFamily="34" charset="-34"/>
+                <a:cs typeface="TH SarabunPSK" panose="020B0500040200020003" pitchFamily="34" charset="-34"/>
+              </a:rPr>
+              <a:t>ธนพงศ์ อินทระ สาขาวิชาสถิติ มหาวิทยาลัยขอนแก่น </a:t>
+            </a:r>
+          </a:p>
+        </p:txBody>
+      </p:sp>
     </p:spTree>
     <p:extLst>
       <p:ext uri="{BB962C8B-B14F-4D97-AF65-F5344CB8AC3E}">
@@ -6423,6 +6696,73 @@
           </a:prstGeom>
         </p:spPr>
       </p:pic>
+      <p:sp>
+        <p:nvSpPr>
+          <p:cNvPr id="5" name="TextBox 4">
+            <a:extLst>
+              <a:ext uri="{FF2B5EF4-FFF2-40B4-BE49-F238E27FC236}">
+                <a16:creationId xmlns:a16="http://schemas.microsoft.com/office/drawing/2014/main" id="{AB370338-6E29-87E8-BDE3-BE746476A4E2}"/>
+              </a:ext>
+            </a:extLst>
+          </p:cNvPr>
+          <p:cNvSpPr txBox="1"/>
+          <p:nvPr/>
+        </p:nvSpPr>
+        <p:spPr>
+          <a:xfrm>
+            <a:off x="114677" y="6172611"/>
+            <a:ext cx="5532120" cy="461665"/>
+          </a:xfrm>
+          <a:prstGeom prst="rect">
+            <a:avLst/>
+          </a:prstGeom>
+          <a:noFill/>
+        </p:spPr>
+        <p:txBody>
+          <a:bodyPr wrap="square">
+            <a:spAutoFit/>
+          </a:bodyPr>
+          <a:lstStyle/>
+          <a:p>
+            <a:pPr algn="l"/>
+            <a:r>
+              <a:rPr lang="th-TH" sz="2400" dirty="0">
+                <a:latin typeface="TH SarabunPSK" panose="020B0500040200020003" pitchFamily="34" charset="-34"/>
+                <a:cs typeface="TH SarabunPSK" panose="020B0500040200020003" pitchFamily="34" charset="-34"/>
+              </a:rPr>
+              <a:t>โดย ผศ</a:t>
+            </a:r>
+            <a:r>
+              <a:rPr lang="en-US" sz="2400" dirty="0">
+                <a:latin typeface="TH SarabunPSK" panose="020B0500040200020003" pitchFamily="34" charset="-34"/>
+                <a:cs typeface="TH SarabunPSK" panose="020B0500040200020003" pitchFamily="34" charset="-34"/>
+              </a:rPr>
+              <a:t>. </a:t>
+            </a:r>
+            <a:r>
+              <a:rPr lang="th-TH" sz="2400" dirty="0">
+                <a:latin typeface="TH SarabunPSK" panose="020B0500040200020003" pitchFamily="34" charset="-34"/>
+                <a:cs typeface="TH SarabunPSK" panose="020B0500040200020003" pitchFamily="34" charset="-34"/>
+              </a:rPr>
+              <a:t>ดร</a:t>
+            </a:r>
+            <a:r>
+              <a:rPr lang="en-US" sz="2400" dirty="0">
+                <a:latin typeface="TH SarabunPSK" panose="020B0500040200020003" pitchFamily="34" charset="-34"/>
+                <a:cs typeface="TH SarabunPSK" panose="020B0500040200020003" pitchFamily="34" charset="-34"/>
+              </a:rPr>
+              <a:t>.</a:t>
+            </a:r>
+            <a:r>
+              <a:rPr lang="th-TH" sz="2400" dirty="0">
+                <a:latin typeface="TH SarabunPSK" panose="020B0500040200020003" pitchFamily="34" charset="-34"/>
+                <a:cs typeface="TH SarabunPSK" panose="020B0500040200020003" pitchFamily="34" charset="-34"/>
+              </a:rPr>
+              <a:t>ธนพงศ์ อินทระ สาขาวิชาสถิติ มหาวิทยาลัยขอนแก่น </a:t>
+            </a:r>
+          </a:p>
+        </p:txBody>
+      </p:sp>
     </p:spTree>
     <p:extLst>
       <p:ext uri="{BB962C8B-B14F-4D97-AF65-F5344CB8AC3E}">
@@ -7015,6 +7355,73 @@
           </a:prstGeom>
         </p:spPr>
       </p:pic>
+      <p:sp>
+        <p:nvSpPr>
+          <p:cNvPr id="10" name="TextBox 9">
+            <a:extLst>
+              <a:ext uri="{FF2B5EF4-FFF2-40B4-BE49-F238E27FC236}">
+                <a16:creationId xmlns:a16="http://schemas.microsoft.com/office/drawing/2014/main" id="{094C119F-8481-69AA-8C3C-0D0AAA29E996}"/>
+              </a:ext>
+            </a:extLst>
+          </p:cNvPr>
+          <p:cNvSpPr txBox="1"/>
+          <p:nvPr/>
+        </p:nvSpPr>
+        <p:spPr>
+          <a:xfrm>
+            <a:off x="114677" y="6172611"/>
+            <a:ext cx="5532120" cy="461665"/>
+          </a:xfrm>
+          <a:prstGeom prst="rect">
+            <a:avLst/>
+          </a:prstGeom>
+          <a:noFill/>
+        </p:spPr>
+        <p:txBody>
+          <a:bodyPr wrap="square">
+            <a:spAutoFit/>
+          </a:bodyPr>
+          <a:lstStyle/>
+          <a:p>
+            <a:pPr algn="l"/>
+            <a:r>
+              <a:rPr lang="th-TH" sz="2400" dirty="0">
+                <a:latin typeface="TH SarabunPSK" panose="020B0500040200020003" pitchFamily="34" charset="-34"/>
+                <a:cs typeface="TH SarabunPSK" panose="020B0500040200020003" pitchFamily="34" charset="-34"/>
+              </a:rPr>
+              <a:t>โดย ผศ</a:t>
+            </a:r>
+            <a:r>
+              <a:rPr lang="en-US" sz="2400" dirty="0">
+                <a:latin typeface="TH SarabunPSK" panose="020B0500040200020003" pitchFamily="34" charset="-34"/>
+                <a:cs typeface="TH SarabunPSK" panose="020B0500040200020003" pitchFamily="34" charset="-34"/>
+              </a:rPr>
+              <a:t>. </a:t>
+            </a:r>
+            <a:r>
+              <a:rPr lang="th-TH" sz="2400" dirty="0">
+                <a:latin typeface="TH SarabunPSK" panose="020B0500040200020003" pitchFamily="34" charset="-34"/>
+                <a:cs typeface="TH SarabunPSK" panose="020B0500040200020003" pitchFamily="34" charset="-34"/>
+              </a:rPr>
+              <a:t>ดร</a:t>
+            </a:r>
+            <a:r>
+              <a:rPr lang="en-US" sz="2400" dirty="0">
+                <a:latin typeface="TH SarabunPSK" panose="020B0500040200020003" pitchFamily="34" charset="-34"/>
+                <a:cs typeface="TH SarabunPSK" panose="020B0500040200020003" pitchFamily="34" charset="-34"/>
+              </a:rPr>
+              <a:t>.</a:t>
+            </a:r>
+            <a:r>
+              <a:rPr lang="th-TH" sz="2400" dirty="0">
+                <a:latin typeface="TH SarabunPSK" panose="020B0500040200020003" pitchFamily="34" charset="-34"/>
+                <a:cs typeface="TH SarabunPSK" panose="020B0500040200020003" pitchFamily="34" charset="-34"/>
+              </a:rPr>
+              <a:t>ธนพงศ์ อินทระ สาขาวิชาสถิติ มหาวิทยาลัยขอนแก่น </a:t>
+            </a:r>
+          </a:p>
+        </p:txBody>
+      </p:sp>
     </p:spTree>
     <p:extLst>
       <p:ext uri="{BB962C8B-B14F-4D97-AF65-F5344CB8AC3E}">
@@ -7524,6 +7931,73 @@
           </a:p>
         </p:txBody>
       </p:sp>
+      <p:sp>
+        <p:nvSpPr>
+          <p:cNvPr id="5" name="TextBox 4">
+            <a:extLst>
+              <a:ext uri="{FF2B5EF4-FFF2-40B4-BE49-F238E27FC236}">
+                <a16:creationId xmlns:a16="http://schemas.microsoft.com/office/drawing/2014/main" id="{C16BA77D-37E7-6CBB-22EA-35DA5E1680DE}"/>
+              </a:ext>
+            </a:extLst>
+          </p:cNvPr>
+          <p:cNvSpPr txBox="1"/>
+          <p:nvPr/>
+        </p:nvSpPr>
+        <p:spPr>
+          <a:xfrm>
+            <a:off x="114677" y="6172611"/>
+            <a:ext cx="5532120" cy="461665"/>
+          </a:xfrm>
+          <a:prstGeom prst="rect">
+            <a:avLst/>
+          </a:prstGeom>
+          <a:noFill/>
+        </p:spPr>
+        <p:txBody>
+          <a:bodyPr wrap="square">
+            <a:spAutoFit/>
+          </a:bodyPr>
+          <a:lstStyle/>
+          <a:p>
+            <a:pPr algn="l"/>
+            <a:r>
+              <a:rPr lang="th-TH" sz="2400" dirty="0">
+                <a:latin typeface="TH SarabunPSK" panose="020B0500040200020003" pitchFamily="34" charset="-34"/>
+                <a:cs typeface="TH SarabunPSK" panose="020B0500040200020003" pitchFamily="34" charset="-34"/>
+              </a:rPr>
+              <a:t>โดย ผศ</a:t>
+            </a:r>
+            <a:r>
+              <a:rPr lang="en-US" sz="2400" dirty="0">
+                <a:latin typeface="TH SarabunPSK" panose="020B0500040200020003" pitchFamily="34" charset="-34"/>
+                <a:cs typeface="TH SarabunPSK" panose="020B0500040200020003" pitchFamily="34" charset="-34"/>
+              </a:rPr>
+              <a:t>. </a:t>
+            </a:r>
+            <a:r>
+              <a:rPr lang="th-TH" sz="2400" dirty="0">
+                <a:latin typeface="TH SarabunPSK" panose="020B0500040200020003" pitchFamily="34" charset="-34"/>
+                <a:cs typeface="TH SarabunPSK" panose="020B0500040200020003" pitchFamily="34" charset="-34"/>
+              </a:rPr>
+              <a:t>ดร</a:t>
+            </a:r>
+            <a:r>
+              <a:rPr lang="en-US" sz="2400" dirty="0">
+                <a:latin typeface="TH SarabunPSK" panose="020B0500040200020003" pitchFamily="34" charset="-34"/>
+                <a:cs typeface="TH SarabunPSK" panose="020B0500040200020003" pitchFamily="34" charset="-34"/>
+              </a:rPr>
+              <a:t>.</a:t>
+            </a:r>
+            <a:r>
+              <a:rPr lang="th-TH" sz="2400" dirty="0">
+                <a:latin typeface="TH SarabunPSK" panose="020B0500040200020003" pitchFamily="34" charset="-34"/>
+                <a:cs typeface="TH SarabunPSK" panose="020B0500040200020003" pitchFamily="34" charset="-34"/>
+              </a:rPr>
+              <a:t>ธนพงศ์ อินทระ สาขาวิชาสถิติ มหาวิทยาลัยขอนแก่น </a:t>
+            </a:r>
+          </a:p>
+        </p:txBody>
+      </p:sp>
     </p:spTree>
     <p:extLst>
       <p:ext uri="{BB962C8B-B14F-4D97-AF65-F5344CB8AC3E}">
@@ -8063,6 +8537,73 @@
           </a:p>
         </p:txBody>
       </p:sp>
+      <p:sp>
+        <p:nvSpPr>
+          <p:cNvPr id="5" name="TextBox 4">
+            <a:extLst>
+              <a:ext uri="{FF2B5EF4-FFF2-40B4-BE49-F238E27FC236}">
+                <a16:creationId xmlns:a16="http://schemas.microsoft.com/office/drawing/2014/main" id="{2DBCC4FD-204F-CC05-4118-FB45EDCD2211}"/>
+              </a:ext>
+            </a:extLst>
+          </p:cNvPr>
+          <p:cNvSpPr txBox="1"/>
+          <p:nvPr/>
+        </p:nvSpPr>
+        <p:spPr>
+          <a:xfrm>
+            <a:off x="114677" y="6172611"/>
+            <a:ext cx="5532120" cy="461665"/>
+          </a:xfrm>
+          <a:prstGeom prst="rect">
+            <a:avLst/>
+          </a:prstGeom>
+          <a:noFill/>
+        </p:spPr>
+        <p:txBody>
+          <a:bodyPr wrap="square">
+            <a:spAutoFit/>
+          </a:bodyPr>
+          <a:lstStyle/>
+          <a:p>
+            <a:pPr algn="l"/>
+            <a:r>
+              <a:rPr lang="th-TH" sz="2400" dirty="0">
+                <a:latin typeface="TH SarabunPSK" panose="020B0500040200020003" pitchFamily="34" charset="-34"/>
+                <a:cs typeface="TH SarabunPSK" panose="020B0500040200020003" pitchFamily="34" charset="-34"/>
+              </a:rPr>
+              <a:t>โดย ผศ</a:t>
+            </a:r>
+            <a:r>
+              <a:rPr lang="en-US" sz="2400" dirty="0">
+                <a:latin typeface="TH SarabunPSK" panose="020B0500040200020003" pitchFamily="34" charset="-34"/>
+                <a:cs typeface="TH SarabunPSK" panose="020B0500040200020003" pitchFamily="34" charset="-34"/>
+              </a:rPr>
+              <a:t>. </a:t>
+            </a:r>
+            <a:r>
+              <a:rPr lang="th-TH" sz="2400" dirty="0">
+                <a:latin typeface="TH SarabunPSK" panose="020B0500040200020003" pitchFamily="34" charset="-34"/>
+                <a:cs typeface="TH SarabunPSK" panose="020B0500040200020003" pitchFamily="34" charset="-34"/>
+              </a:rPr>
+              <a:t>ดร</a:t>
+            </a:r>
+            <a:r>
+              <a:rPr lang="en-US" sz="2400" dirty="0">
+                <a:latin typeface="TH SarabunPSK" panose="020B0500040200020003" pitchFamily="34" charset="-34"/>
+                <a:cs typeface="TH SarabunPSK" panose="020B0500040200020003" pitchFamily="34" charset="-34"/>
+              </a:rPr>
+              <a:t>.</a:t>
+            </a:r>
+            <a:r>
+              <a:rPr lang="th-TH" sz="2400" dirty="0">
+                <a:latin typeface="TH SarabunPSK" panose="020B0500040200020003" pitchFamily="34" charset="-34"/>
+                <a:cs typeface="TH SarabunPSK" panose="020B0500040200020003" pitchFamily="34" charset="-34"/>
+              </a:rPr>
+              <a:t>ธนพงศ์ อินทระ สาขาวิชาสถิติ มหาวิทยาลัยขอนแก่น </a:t>
+            </a:r>
+          </a:p>
+        </p:txBody>
+      </p:sp>
     </p:spTree>
     <p:extLst>
       <p:ext uri="{BB962C8B-B14F-4D97-AF65-F5344CB8AC3E}">
@@ -8672,6 +9213,73 @@
           </a:p>
         </p:txBody>
       </p:sp>
+      <p:sp>
+        <p:nvSpPr>
+          <p:cNvPr id="9" name="TextBox 8">
+            <a:extLst>
+              <a:ext uri="{FF2B5EF4-FFF2-40B4-BE49-F238E27FC236}">
+                <a16:creationId xmlns:a16="http://schemas.microsoft.com/office/drawing/2014/main" id="{FD7C1688-FC50-A0B4-EEF8-9AE498DFF40E}"/>
+              </a:ext>
+            </a:extLst>
+          </p:cNvPr>
+          <p:cNvSpPr txBox="1"/>
+          <p:nvPr/>
+        </p:nvSpPr>
+        <p:spPr>
+          <a:xfrm>
+            <a:off x="114677" y="6172611"/>
+            <a:ext cx="5532120" cy="461665"/>
+          </a:xfrm>
+          <a:prstGeom prst="rect">
+            <a:avLst/>
+          </a:prstGeom>
+          <a:noFill/>
+        </p:spPr>
+        <p:txBody>
+          <a:bodyPr wrap="square">
+            <a:spAutoFit/>
+          </a:bodyPr>
+          <a:lstStyle/>
+          <a:p>
+            <a:pPr algn="l"/>
+            <a:r>
+              <a:rPr lang="th-TH" sz="2400" dirty="0">
+                <a:latin typeface="TH SarabunPSK" panose="020B0500040200020003" pitchFamily="34" charset="-34"/>
+                <a:cs typeface="TH SarabunPSK" panose="020B0500040200020003" pitchFamily="34" charset="-34"/>
+              </a:rPr>
+              <a:t>โดย ผศ</a:t>
+            </a:r>
+            <a:r>
+              <a:rPr lang="en-US" sz="2400" dirty="0">
+                <a:latin typeface="TH SarabunPSK" panose="020B0500040200020003" pitchFamily="34" charset="-34"/>
+                <a:cs typeface="TH SarabunPSK" panose="020B0500040200020003" pitchFamily="34" charset="-34"/>
+              </a:rPr>
+              <a:t>. </a:t>
+            </a:r>
+            <a:r>
+              <a:rPr lang="th-TH" sz="2400" dirty="0">
+                <a:latin typeface="TH SarabunPSK" panose="020B0500040200020003" pitchFamily="34" charset="-34"/>
+                <a:cs typeface="TH SarabunPSK" panose="020B0500040200020003" pitchFamily="34" charset="-34"/>
+              </a:rPr>
+              <a:t>ดร</a:t>
+            </a:r>
+            <a:r>
+              <a:rPr lang="en-US" sz="2400" dirty="0">
+                <a:latin typeface="TH SarabunPSK" panose="020B0500040200020003" pitchFamily="34" charset="-34"/>
+                <a:cs typeface="TH SarabunPSK" panose="020B0500040200020003" pitchFamily="34" charset="-34"/>
+              </a:rPr>
+              <a:t>.</a:t>
+            </a:r>
+            <a:r>
+              <a:rPr lang="th-TH" sz="2400" dirty="0">
+                <a:latin typeface="TH SarabunPSK" panose="020B0500040200020003" pitchFamily="34" charset="-34"/>
+                <a:cs typeface="TH SarabunPSK" panose="020B0500040200020003" pitchFamily="34" charset="-34"/>
+              </a:rPr>
+              <a:t>ธนพงศ์ อินทระ สาขาวิชาสถิติ มหาวิทยาลัยขอนแก่น </a:t>
+            </a:r>
+          </a:p>
+        </p:txBody>
+      </p:sp>
     </p:spTree>
     <p:extLst>
       <p:ext uri="{BB962C8B-B14F-4D97-AF65-F5344CB8AC3E}">
@@ -9141,6 +9749,73 @@
           </a:prstGeom>
         </p:spPr>
       </p:pic>
+      <p:sp>
+        <p:nvSpPr>
+          <p:cNvPr id="9" name="TextBox 8">
+            <a:extLst>
+              <a:ext uri="{FF2B5EF4-FFF2-40B4-BE49-F238E27FC236}">
+                <a16:creationId xmlns:a16="http://schemas.microsoft.com/office/drawing/2014/main" id="{AE2E9611-91A3-51E6-4C66-A0A5EAB4337A}"/>
+              </a:ext>
+            </a:extLst>
+          </p:cNvPr>
+          <p:cNvSpPr txBox="1"/>
+          <p:nvPr/>
+        </p:nvSpPr>
+        <p:spPr>
+          <a:xfrm>
+            <a:off x="114677" y="6172611"/>
+            <a:ext cx="5532120" cy="461665"/>
+          </a:xfrm>
+          <a:prstGeom prst="rect">
+            <a:avLst/>
+          </a:prstGeom>
+          <a:noFill/>
+        </p:spPr>
+        <p:txBody>
+          <a:bodyPr wrap="square">
+            <a:spAutoFit/>
+          </a:bodyPr>
+          <a:lstStyle/>
+          <a:p>
+            <a:pPr algn="l"/>
+            <a:r>
+              <a:rPr lang="th-TH" sz="2400" dirty="0">
+                <a:latin typeface="TH SarabunPSK" panose="020B0500040200020003" pitchFamily="34" charset="-34"/>
+                <a:cs typeface="TH SarabunPSK" panose="020B0500040200020003" pitchFamily="34" charset="-34"/>
+              </a:rPr>
+              <a:t>โดย ผศ</a:t>
+            </a:r>
+            <a:r>
+              <a:rPr lang="en-US" sz="2400" dirty="0">
+                <a:latin typeface="TH SarabunPSK" panose="020B0500040200020003" pitchFamily="34" charset="-34"/>
+                <a:cs typeface="TH SarabunPSK" panose="020B0500040200020003" pitchFamily="34" charset="-34"/>
+              </a:rPr>
+              <a:t>. </a:t>
+            </a:r>
+            <a:r>
+              <a:rPr lang="th-TH" sz="2400" dirty="0">
+                <a:latin typeface="TH SarabunPSK" panose="020B0500040200020003" pitchFamily="34" charset="-34"/>
+                <a:cs typeface="TH SarabunPSK" panose="020B0500040200020003" pitchFamily="34" charset="-34"/>
+              </a:rPr>
+              <a:t>ดร</a:t>
+            </a:r>
+            <a:r>
+              <a:rPr lang="en-US" sz="2400" dirty="0">
+                <a:latin typeface="TH SarabunPSK" panose="020B0500040200020003" pitchFamily="34" charset="-34"/>
+                <a:cs typeface="TH SarabunPSK" panose="020B0500040200020003" pitchFamily="34" charset="-34"/>
+              </a:rPr>
+              <a:t>.</a:t>
+            </a:r>
+            <a:r>
+              <a:rPr lang="th-TH" sz="2400" dirty="0">
+                <a:latin typeface="TH SarabunPSK" panose="020B0500040200020003" pitchFamily="34" charset="-34"/>
+                <a:cs typeface="TH SarabunPSK" panose="020B0500040200020003" pitchFamily="34" charset="-34"/>
+              </a:rPr>
+              <a:t>ธนพงศ์ อินทระ สาขาวิชาสถิติ มหาวิทยาลัยขอนแก่น </a:t>
+            </a:r>
+          </a:p>
+        </p:txBody>
+      </p:sp>
     </p:spTree>
     <p:extLst>
       <p:ext uri="{BB962C8B-B14F-4D97-AF65-F5344CB8AC3E}">
@@ -9913,6 +10588,73 @@
           </a:prstGeom>
         </p:spPr>
       </p:pic>
+      <p:sp>
+        <p:nvSpPr>
+          <p:cNvPr id="11" name="TextBox 10">
+            <a:extLst>
+              <a:ext uri="{FF2B5EF4-FFF2-40B4-BE49-F238E27FC236}">
+                <a16:creationId xmlns:a16="http://schemas.microsoft.com/office/drawing/2014/main" id="{D13CD425-2EA1-5AB8-4E9B-A69D477973EF}"/>
+              </a:ext>
+            </a:extLst>
+          </p:cNvPr>
+          <p:cNvSpPr txBox="1"/>
+          <p:nvPr/>
+        </p:nvSpPr>
+        <p:spPr>
+          <a:xfrm>
+            <a:off x="114677" y="6172611"/>
+            <a:ext cx="5532120" cy="461665"/>
+          </a:xfrm>
+          <a:prstGeom prst="rect">
+            <a:avLst/>
+          </a:prstGeom>
+          <a:noFill/>
+        </p:spPr>
+        <p:txBody>
+          <a:bodyPr wrap="square">
+            <a:spAutoFit/>
+          </a:bodyPr>
+          <a:lstStyle/>
+          <a:p>
+            <a:pPr algn="l"/>
+            <a:r>
+              <a:rPr lang="th-TH" sz="2400" dirty="0">
+                <a:latin typeface="TH SarabunPSK" panose="020B0500040200020003" pitchFamily="34" charset="-34"/>
+                <a:cs typeface="TH SarabunPSK" panose="020B0500040200020003" pitchFamily="34" charset="-34"/>
+              </a:rPr>
+              <a:t>โดย ผศ</a:t>
+            </a:r>
+            <a:r>
+              <a:rPr lang="en-US" sz="2400" dirty="0">
+                <a:latin typeface="TH SarabunPSK" panose="020B0500040200020003" pitchFamily="34" charset="-34"/>
+                <a:cs typeface="TH SarabunPSK" panose="020B0500040200020003" pitchFamily="34" charset="-34"/>
+              </a:rPr>
+              <a:t>. </a:t>
+            </a:r>
+            <a:r>
+              <a:rPr lang="th-TH" sz="2400" dirty="0">
+                <a:latin typeface="TH SarabunPSK" panose="020B0500040200020003" pitchFamily="34" charset="-34"/>
+                <a:cs typeface="TH SarabunPSK" panose="020B0500040200020003" pitchFamily="34" charset="-34"/>
+              </a:rPr>
+              <a:t>ดร</a:t>
+            </a:r>
+            <a:r>
+              <a:rPr lang="en-US" sz="2400" dirty="0">
+                <a:latin typeface="TH SarabunPSK" panose="020B0500040200020003" pitchFamily="34" charset="-34"/>
+                <a:cs typeface="TH SarabunPSK" panose="020B0500040200020003" pitchFamily="34" charset="-34"/>
+              </a:rPr>
+              <a:t>.</a:t>
+            </a:r>
+            <a:r>
+              <a:rPr lang="th-TH" sz="2400" dirty="0">
+                <a:latin typeface="TH SarabunPSK" panose="020B0500040200020003" pitchFamily="34" charset="-34"/>
+                <a:cs typeface="TH SarabunPSK" panose="020B0500040200020003" pitchFamily="34" charset="-34"/>
+              </a:rPr>
+              <a:t>ธนพงศ์ อินทระ สาขาวิชาสถิติ มหาวิทยาลัยขอนแก่น </a:t>
+            </a:r>
+          </a:p>
+        </p:txBody>
+      </p:sp>
     </p:spTree>
     <p:extLst>
       <p:ext uri="{BB962C8B-B14F-4D97-AF65-F5344CB8AC3E}">
@@ -10759,6 +11501,73 @@
           </a:p>
         </p:txBody>
       </p:sp>
+      <p:sp>
+        <p:nvSpPr>
+          <p:cNvPr id="9" name="TextBox 8">
+            <a:extLst>
+              <a:ext uri="{FF2B5EF4-FFF2-40B4-BE49-F238E27FC236}">
+                <a16:creationId xmlns:a16="http://schemas.microsoft.com/office/drawing/2014/main" id="{E26CD2E8-301E-313E-86D3-58B7141278F4}"/>
+              </a:ext>
+            </a:extLst>
+          </p:cNvPr>
+          <p:cNvSpPr txBox="1"/>
+          <p:nvPr/>
+        </p:nvSpPr>
+        <p:spPr>
+          <a:xfrm>
+            <a:off x="114677" y="6172611"/>
+            <a:ext cx="5532120" cy="461665"/>
+          </a:xfrm>
+          <a:prstGeom prst="rect">
+            <a:avLst/>
+          </a:prstGeom>
+          <a:noFill/>
+        </p:spPr>
+        <p:txBody>
+          <a:bodyPr wrap="square">
+            <a:spAutoFit/>
+          </a:bodyPr>
+          <a:lstStyle/>
+          <a:p>
+            <a:pPr algn="l"/>
+            <a:r>
+              <a:rPr lang="th-TH" sz="2400" dirty="0">
+                <a:latin typeface="TH SarabunPSK" panose="020B0500040200020003" pitchFamily="34" charset="-34"/>
+                <a:cs typeface="TH SarabunPSK" panose="020B0500040200020003" pitchFamily="34" charset="-34"/>
+              </a:rPr>
+              <a:t>โดย ผศ</a:t>
+            </a:r>
+            <a:r>
+              <a:rPr lang="en-US" sz="2400" dirty="0">
+                <a:latin typeface="TH SarabunPSK" panose="020B0500040200020003" pitchFamily="34" charset="-34"/>
+                <a:cs typeface="TH SarabunPSK" panose="020B0500040200020003" pitchFamily="34" charset="-34"/>
+              </a:rPr>
+              <a:t>. </a:t>
+            </a:r>
+            <a:r>
+              <a:rPr lang="th-TH" sz="2400" dirty="0">
+                <a:latin typeface="TH SarabunPSK" panose="020B0500040200020003" pitchFamily="34" charset="-34"/>
+                <a:cs typeface="TH SarabunPSK" panose="020B0500040200020003" pitchFamily="34" charset="-34"/>
+              </a:rPr>
+              <a:t>ดร</a:t>
+            </a:r>
+            <a:r>
+              <a:rPr lang="en-US" sz="2400" dirty="0">
+                <a:latin typeface="TH SarabunPSK" panose="020B0500040200020003" pitchFamily="34" charset="-34"/>
+                <a:cs typeface="TH SarabunPSK" panose="020B0500040200020003" pitchFamily="34" charset="-34"/>
+              </a:rPr>
+              <a:t>.</a:t>
+            </a:r>
+            <a:r>
+              <a:rPr lang="th-TH" sz="2400" dirty="0">
+                <a:latin typeface="TH SarabunPSK" panose="020B0500040200020003" pitchFamily="34" charset="-34"/>
+                <a:cs typeface="TH SarabunPSK" panose="020B0500040200020003" pitchFamily="34" charset="-34"/>
+              </a:rPr>
+              <a:t>ธนพงศ์ อินทระ สาขาวิชาสถิติ มหาวิทยาลัยขอนแก่น </a:t>
+            </a:r>
+          </a:p>
+        </p:txBody>
+      </p:sp>
     </p:spTree>
     <p:extLst>
       <p:ext uri="{BB962C8B-B14F-4D97-AF65-F5344CB8AC3E}">
@@ -11433,6 +12242,73 @@
           </a:prstGeom>
         </p:spPr>
       </p:pic>
+      <p:sp>
+        <p:nvSpPr>
+          <p:cNvPr id="10" name="TextBox 9">
+            <a:extLst>
+              <a:ext uri="{FF2B5EF4-FFF2-40B4-BE49-F238E27FC236}">
+                <a16:creationId xmlns:a16="http://schemas.microsoft.com/office/drawing/2014/main" id="{552198E4-4151-3527-3CE9-636B1C15FF0B}"/>
+              </a:ext>
+            </a:extLst>
+          </p:cNvPr>
+          <p:cNvSpPr txBox="1"/>
+          <p:nvPr/>
+        </p:nvSpPr>
+        <p:spPr>
+          <a:xfrm>
+            <a:off x="114677" y="6172611"/>
+            <a:ext cx="5532120" cy="461665"/>
+          </a:xfrm>
+          <a:prstGeom prst="rect">
+            <a:avLst/>
+          </a:prstGeom>
+          <a:noFill/>
+        </p:spPr>
+        <p:txBody>
+          <a:bodyPr wrap="square">
+            <a:spAutoFit/>
+          </a:bodyPr>
+          <a:lstStyle/>
+          <a:p>
+            <a:pPr algn="l"/>
+            <a:r>
+              <a:rPr lang="th-TH" sz="2400" dirty="0">
+                <a:latin typeface="TH SarabunPSK" panose="020B0500040200020003" pitchFamily="34" charset="-34"/>
+                <a:cs typeface="TH SarabunPSK" panose="020B0500040200020003" pitchFamily="34" charset="-34"/>
+              </a:rPr>
+              <a:t>โดย ผศ</a:t>
+            </a:r>
+            <a:r>
+              <a:rPr lang="en-US" sz="2400" dirty="0">
+                <a:latin typeface="TH SarabunPSK" panose="020B0500040200020003" pitchFamily="34" charset="-34"/>
+                <a:cs typeface="TH SarabunPSK" panose="020B0500040200020003" pitchFamily="34" charset="-34"/>
+              </a:rPr>
+              <a:t>. </a:t>
+            </a:r>
+            <a:r>
+              <a:rPr lang="th-TH" sz="2400" dirty="0">
+                <a:latin typeface="TH SarabunPSK" panose="020B0500040200020003" pitchFamily="34" charset="-34"/>
+                <a:cs typeface="TH SarabunPSK" panose="020B0500040200020003" pitchFamily="34" charset="-34"/>
+              </a:rPr>
+              <a:t>ดร</a:t>
+            </a:r>
+            <a:r>
+              <a:rPr lang="en-US" sz="2400" dirty="0">
+                <a:latin typeface="TH SarabunPSK" panose="020B0500040200020003" pitchFamily="34" charset="-34"/>
+                <a:cs typeface="TH SarabunPSK" panose="020B0500040200020003" pitchFamily="34" charset="-34"/>
+              </a:rPr>
+              <a:t>.</a:t>
+            </a:r>
+            <a:r>
+              <a:rPr lang="th-TH" sz="2400" dirty="0">
+                <a:latin typeface="TH SarabunPSK" panose="020B0500040200020003" pitchFamily="34" charset="-34"/>
+                <a:cs typeface="TH SarabunPSK" panose="020B0500040200020003" pitchFamily="34" charset="-34"/>
+              </a:rPr>
+              <a:t>ธนพงศ์ อินทระ สาขาวิชาสถิติ มหาวิทยาลัยขอนแก่น </a:t>
+            </a:r>
+          </a:p>
+        </p:txBody>
+      </p:sp>
     </p:spTree>
     <p:extLst>
       <p:ext uri="{BB962C8B-B14F-4D97-AF65-F5344CB8AC3E}">
@@ -12162,6 +13038,73 @@
           </a:prstGeom>
         </p:spPr>
       </p:pic>
+      <p:sp>
+        <p:nvSpPr>
+          <p:cNvPr id="10" name="TextBox 9">
+            <a:extLst>
+              <a:ext uri="{FF2B5EF4-FFF2-40B4-BE49-F238E27FC236}">
+                <a16:creationId xmlns:a16="http://schemas.microsoft.com/office/drawing/2014/main" id="{B6027136-C477-BA6C-2166-AF5B858F649B}"/>
+              </a:ext>
+            </a:extLst>
+          </p:cNvPr>
+          <p:cNvSpPr txBox="1"/>
+          <p:nvPr/>
+        </p:nvSpPr>
+        <p:spPr>
+          <a:xfrm>
+            <a:off x="114677" y="6172611"/>
+            <a:ext cx="5532120" cy="461665"/>
+          </a:xfrm>
+          <a:prstGeom prst="rect">
+            <a:avLst/>
+          </a:prstGeom>
+          <a:noFill/>
+        </p:spPr>
+        <p:txBody>
+          <a:bodyPr wrap="square">
+            <a:spAutoFit/>
+          </a:bodyPr>
+          <a:lstStyle/>
+          <a:p>
+            <a:pPr algn="l"/>
+            <a:r>
+              <a:rPr lang="th-TH" sz="2400" dirty="0">
+                <a:latin typeface="TH SarabunPSK" panose="020B0500040200020003" pitchFamily="34" charset="-34"/>
+                <a:cs typeface="TH SarabunPSK" panose="020B0500040200020003" pitchFamily="34" charset="-34"/>
+              </a:rPr>
+              <a:t>โดย ผศ</a:t>
+            </a:r>
+            <a:r>
+              <a:rPr lang="en-US" sz="2400" dirty="0">
+                <a:latin typeface="TH SarabunPSK" panose="020B0500040200020003" pitchFamily="34" charset="-34"/>
+                <a:cs typeface="TH SarabunPSK" panose="020B0500040200020003" pitchFamily="34" charset="-34"/>
+              </a:rPr>
+              <a:t>. </a:t>
+            </a:r>
+            <a:r>
+              <a:rPr lang="th-TH" sz="2400" dirty="0">
+                <a:latin typeface="TH SarabunPSK" panose="020B0500040200020003" pitchFamily="34" charset="-34"/>
+                <a:cs typeface="TH SarabunPSK" panose="020B0500040200020003" pitchFamily="34" charset="-34"/>
+              </a:rPr>
+              <a:t>ดร</a:t>
+            </a:r>
+            <a:r>
+              <a:rPr lang="en-US" sz="2400" dirty="0">
+                <a:latin typeface="TH SarabunPSK" panose="020B0500040200020003" pitchFamily="34" charset="-34"/>
+                <a:cs typeface="TH SarabunPSK" panose="020B0500040200020003" pitchFamily="34" charset="-34"/>
+              </a:rPr>
+              <a:t>.</a:t>
+            </a:r>
+            <a:r>
+              <a:rPr lang="th-TH" sz="2400" dirty="0">
+                <a:latin typeface="TH SarabunPSK" panose="020B0500040200020003" pitchFamily="34" charset="-34"/>
+                <a:cs typeface="TH SarabunPSK" panose="020B0500040200020003" pitchFamily="34" charset="-34"/>
+              </a:rPr>
+              <a:t>ธนพงศ์ อินทระ สาขาวิชาสถิติ มหาวิทยาลัยขอนแก่น </a:t>
+            </a:r>
+          </a:p>
+        </p:txBody>
+      </p:sp>
     </p:spTree>
     <p:extLst>
       <p:ext uri="{BB962C8B-B14F-4D97-AF65-F5344CB8AC3E}">
@@ -12865,6 +13808,73 @@
           </a:prstGeom>
         </p:spPr>
       </p:pic>
+      <p:sp>
+        <p:nvSpPr>
+          <p:cNvPr id="10" name="TextBox 9">
+            <a:extLst>
+              <a:ext uri="{FF2B5EF4-FFF2-40B4-BE49-F238E27FC236}">
+                <a16:creationId xmlns:a16="http://schemas.microsoft.com/office/drawing/2014/main" id="{FF5C362C-8F3D-CFFC-3F3E-9D111D444B52}"/>
+              </a:ext>
+            </a:extLst>
+          </p:cNvPr>
+          <p:cNvSpPr txBox="1"/>
+          <p:nvPr/>
+        </p:nvSpPr>
+        <p:spPr>
+          <a:xfrm>
+            <a:off x="114677" y="6172611"/>
+            <a:ext cx="5532120" cy="461665"/>
+          </a:xfrm>
+          <a:prstGeom prst="rect">
+            <a:avLst/>
+          </a:prstGeom>
+          <a:noFill/>
+        </p:spPr>
+        <p:txBody>
+          <a:bodyPr wrap="square">
+            <a:spAutoFit/>
+          </a:bodyPr>
+          <a:lstStyle/>
+          <a:p>
+            <a:pPr algn="l"/>
+            <a:r>
+              <a:rPr lang="th-TH" sz="2400" dirty="0">
+                <a:latin typeface="TH SarabunPSK" panose="020B0500040200020003" pitchFamily="34" charset="-34"/>
+                <a:cs typeface="TH SarabunPSK" panose="020B0500040200020003" pitchFamily="34" charset="-34"/>
+              </a:rPr>
+              <a:t>โดย ผศ</a:t>
+            </a:r>
+            <a:r>
+              <a:rPr lang="en-US" sz="2400" dirty="0">
+                <a:latin typeface="TH SarabunPSK" panose="020B0500040200020003" pitchFamily="34" charset="-34"/>
+                <a:cs typeface="TH SarabunPSK" panose="020B0500040200020003" pitchFamily="34" charset="-34"/>
+              </a:rPr>
+              <a:t>. </a:t>
+            </a:r>
+            <a:r>
+              <a:rPr lang="th-TH" sz="2400" dirty="0">
+                <a:latin typeface="TH SarabunPSK" panose="020B0500040200020003" pitchFamily="34" charset="-34"/>
+                <a:cs typeface="TH SarabunPSK" panose="020B0500040200020003" pitchFamily="34" charset="-34"/>
+              </a:rPr>
+              <a:t>ดร</a:t>
+            </a:r>
+            <a:r>
+              <a:rPr lang="en-US" sz="2400" dirty="0">
+                <a:latin typeface="TH SarabunPSK" panose="020B0500040200020003" pitchFamily="34" charset="-34"/>
+                <a:cs typeface="TH SarabunPSK" panose="020B0500040200020003" pitchFamily="34" charset="-34"/>
+              </a:rPr>
+              <a:t>.</a:t>
+            </a:r>
+            <a:r>
+              <a:rPr lang="th-TH" sz="2400" dirty="0">
+                <a:latin typeface="TH SarabunPSK" panose="020B0500040200020003" pitchFamily="34" charset="-34"/>
+                <a:cs typeface="TH SarabunPSK" panose="020B0500040200020003" pitchFamily="34" charset="-34"/>
+              </a:rPr>
+              <a:t>ธนพงศ์ อินทระ สาขาวิชาสถิติ มหาวิทยาลัยขอนแก่น </a:t>
+            </a:r>
+          </a:p>
+        </p:txBody>
+      </p:sp>
     </p:spTree>
     <p:extLst>
       <p:ext uri="{BB962C8B-B14F-4D97-AF65-F5344CB8AC3E}">
@@ -13641,6 +14651,73 @@
           </a:prstGeom>
         </p:spPr>
       </p:pic>
+      <p:sp>
+        <p:nvSpPr>
+          <p:cNvPr id="10" name="TextBox 9">
+            <a:extLst>
+              <a:ext uri="{FF2B5EF4-FFF2-40B4-BE49-F238E27FC236}">
+                <a16:creationId xmlns:a16="http://schemas.microsoft.com/office/drawing/2014/main" id="{C7ECAE5D-77FC-CADE-EB23-1403C0F0822C}"/>
+              </a:ext>
+            </a:extLst>
+          </p:cNvPr>
+          <p:cNvSpPr txBox="1"/>
+          <p:nvPr/>
+        </p:nvSpPr>
+        <p:spPr>
+          <a:xfrm>
+            <a:off x="114677" y="6172611"/>
+            <a:ext cx="5532120" cy="461665"/>
+          </a:xfrm>
+          <a:prstGeom prst="rect">
+            <a:avLst/>
+          </a:prstGeom>
+          <a:noFill/>
+        </p:spPr>
+        <p:txBody>
+          <a:bodyPr wrap="square">
+            <a:spAutoFit/>
+          </a:bodyPr>
+          <a:lstStyle/>
+          <a:p>
+            <a:pPr algn="l"/>
+            <a:r>
+              <a:rPr lang="th-TH" sz="2400" dirty="0">
+                <a:latin typeface="TH SarabunPSK" panose="020B0500040200020003" pitchFamily="34" charset="-34"/>
+                <a:cs typeface="TH SarabunPSK" panose="020B0500040200020003" pitchFamily="34" charset="-34"/>
+              </a:rPr>
+              <a:t>โดย ผศ</a:t>
+            </a:r>
+            <a:r>
+              <a:rPr lang="en-US" sz="2400" dirty="0">
+                <a:latin typeface="TH SarabunPSK" panose="020B0500040200020003" pitchFamily="34" charset="-34"/>
+                <a:cs typeface="TH SarabunPSK" panose="020B0500040200020003" pitchFamily="34" charset="-34"/>
+              </a:rPr>
+              <a:t>. </a:t>
+            </a:r>
+            <a:r>
+              <a:rPr lang="th-TH" sz="2400" dirty="0">
+                <a:latin typeface="TH SarabunPSK" panose="020B0500040200020003" pitchFamily="34" charset="-34"/>
+                <a:cs typeface="TH SarabunPSK" panose="020B0500040200020003" pitchFamily="34" charset="-34"/>
+              </a:rPr>
+              <a:t>ดร</a:t>
+            </a:r>
+            <a:r>
+              <a:rPr lang="en-US" sz="2400" dirty="0">
+                <a:latin typeface="TH SarabunPSK" panose="020B0500040200020003" pitchFamily="34" charset="-34"/>
+                <a:cs typeface="TH SarabunPSK" panose="020B0500040200020003" pitchFamily="34" charset="-34"/>
+              </a:rPr>
+              <a:t>.</a:t>
+            </a:r>
+            <a:r>
+              <a:rPr lang="th-TH" sz="2400" dirty="0">
+                <a:latin typeface="TH SarabunPSK" panose="020B0500040200020003" pitchFamily="34" charset="-34"/>
+                <a:cs typeface="TH SarabunPSK" panose="020B0500040200020003" pitchFamily="34" charset="-34"/>
+              </a:rPr>
+              <a:t>ธนพงศ์ อินทระ สาขาวิชาสถิติ มหาวิทยาลัยขอนแก่น </a:t>
+            </a:r>
+          </a:p>
+        </p:txBody>
+      </p:sp>
     </p:spTree>
     <p:extLst>
       <p:ext uri="{BB962C8B-B14F-4D97-AF65-F5344CB8AC3E}">
@@ -14313,6 +15390,73 @@
           </a:prstGeom>
         </p:spPr>
       </p:pic>
+      <p:sp>
+        <p:nvSpPr>
+          <p:cNvPr id="10" name="TextBox 9">
+            <a:extLst>
+              <a:ext uri="{FF2B5EF4-FFF2-40B4-BE49-F238E27FC236}">
+                <a16:creationId xmlns:a16="http://schemas.microsoft.com/office/drawing/2014/main" id="{AA47716D-B037-6A90-9B94-A896E23D1B93}"/>
+              </a:ext>
+            </a:extLst>
+          </p:cNvPr>
+          <p:cNvSpPr txBox="1"/>
+          <p:nvPr/>
+        </p:nvSpPr>
+        <p:spPr>
+          <a:xfrm>
+            <a:off x="114677" y="6172611"/>
+            <a:ext cx="5532120" cy="461665"/>
+          </a:xfrm>
+          <a:prstGeom prst="rect">
+            <a:avLst/>
+          </a:prstGeom>
+          <a:noFill/>
+        </p:spPr>
+        <p:txBody>
+          <a:bodyPr wrap="square">
+            <a:spAutoFit/>
+          </a:bodyPr>
+          <a:lstStyle/>
+          <a:p>
+            <a:pPr algn="l"/>
+            <a:r>
+              <a:rPr lang="th-TH" sz="2400" dirty="0">
+                <a:latin typeface="TH SarabunPSK" panose="020B0500040200020003" pitchFamily="34" charset="-34"/>
+                <a:cs typeface="TH SarabunPSK" panose="020B0500040200020003" pitchFamily="34" charset="-34"/>
+              </a:rPr>
+              <a:t>โดย ผศ</a:t>
+            </a:r>
+            <a:r>
+              <a:rPr lang="en-US" sz="2400" dirty="0">
+                <a:latin typeface="TH SarabunPSK" panose="020B0500040200020003" pitchFamily="34" charset="-34"/>
+                <a:cs typeface="TH SarabunPSK" panose="020B0500040200020003" pitchFamily="34" charset="-34"/>
+              </a:rPr>
+              <a:t>. </a:t>
+            </a:r>
+            <a:r>
+              <a:rPr lang="th-TH" sz="2400" dirty="0">
+                <a:latin typeface="TH SarabunPSK" panose="020B0500040200020003" pitchFamily="34" charset="-34"/>
+                <a:cs typeface="TH SarabunPSK" panose="020B0500040200020003" pitchFamily="34" charset="-34"/>
+              </a:rPr>
+              <a:t>ดร</a:t>
+            </a:r>
+            <a:r>
+              <a:rPr lang="en-US" sz="2400" dirty="0">
+                <a:latin typeface="TH SarabunPSK" panose="020B0500040200020003" pitchFamily="34" charset="-34"/>
+                <a:cs typeface="TH SarabunPSK" panose="020B0500040200020003" pitchFamily="34" charset="-34"/>
+              </a:rPr>
+              <a:t>.</a:t>
+            </a:r>
+            <a:r>
+              <a:rPr lang="th-TH" sz="2400" dirty="0">
+                <a:latin typeface="TH SarabunPSK" panose="020B0500040200020003" pitchFamily="34" charset="-34"/>
+                <a:cs typeface="TH SarabunPSK" panose="020B0500040200020003" pitchFamily="34" charset="-34"/>
+              </a:rPr>
+              <a:t>ธนพงศ์ อินทระ สาขาวิชาสถิติ มหาวิทยาลัยขอนแก่น </a:t>
+            </a:r>
+          </a:p>
+        </p:txBody>
+      </p:sp>
     </p:spTree>
     <p:extLst>
       <p:ext uri="{BB962C8B-B14F-4D97-AF65-F5344CB8AC3E}">
